--- a/ppt/Phase 4.pptx
+++ b/ppt/Phase 4.pptx
@@ -6,10 +6,10 @@
     <p:sldMasterId id="2147483663" r:id="rId3"/>
   </p:sldMasterIdLst>
   <p:notesMasterIdLst>
-    <p:notesMasterId r:id="rId18"/>
+    <p:notesMasterId r:id="rId19"/>
   </p:notesMasterIdLst>
   <p:handoutMasterIdLst>
-    <p:handoutMasterId r:id="rId19"/>
+    <p:handoutMasterId r:id="rId20"/>
   </p:handoutMasterIdLst>
   <p:sldIdLst>
     <p:sldId id="388" r:id="rId4"/>
@@ -21,11 +21,12 @@
     <p:sldId id="395" r:id="rId10"/>
     <p:sldId id="396" r:id="rId11"/>
     <p:sldId id="397" r:id="rId12"/>
-    <p:sldId id="399" r:id="rId13"/>
-    <p:sldId id="400" r:id="rId14"/>
-    <p:sldId id="402" r:id="rId15"/>
-    <p:sldId id="401" r:id="rId16"/>
-    <p:sldId id="362" r:id="rId17"/>
+    <p:sldId id="398" r:id="rId13"/>
+    <p:sldId id="399" r:id="rId14"/>
+    <p:sldId id="400" r:id="rId15"/>
+    <p:sldId id="402" r:id="rId16"/>
+    <p:sldId id="401" r:id="rId17"/>
+    <p:sldId id="362" r:id="rId18"/>
   </p:sldIdLst>
   <p:sldSz cx="12192000" cy="6858000"/>
   <p:notesSz cx="6858000" cy="9144000"/>
@@ -10924,6 +10925,772 @@
                 <a:latin typeface="Times New Roman" panose="02020503050405090304" pitchFamily="18" charset="0"/>
                 <a:cs typeface="Times New Roman" panose="02020503050405090304" pitchFamily="18" charset="0"/>
               </a:rPr>
+              <a:t>Test Cases</a:t>
+            </a:r>
+            <a:endParaRPr lang="en-US" sz="4000" b="1" dirty="0">
+              <a:solidFill>
+                <a:srgbClr val="C00000"/>
+              </a:solidFill>
+              <a:effectLst/>
+              <a:latin typeface="Times New Roman" panose="02020503050405090304" pitchFamily="18" charset="0"/>
+              <a:cs typeface="Times New Roman" panose="02020503050405090304" pitchFamily="18" charset="0"/>
+            </a:endParaRPr>
+          </a:p>
+        </p:txBody>
+      </p:sp>
+      <p:sp>
+        <p:nvSpPr>
+          <p:cNvPr id="4" name="Slide Number Placeholder 3"/>
+          <p:cNvSpPr>
+            <a:spLocks noGrp="1"/>
+          </p:cNvSpPr>
+          <p:nvPr>
+            <p:ph type="sldNum" sz="quarter" idx="12"/>
+          </p:nvPr>
+        </p:nvSpPr>
+        <p:spPr/>
+        <p:txBody>
+          <a:bodyPr/>
+          <a:lstStyle/>
+          <a:p>
+            <a:fld id="{BDCDBBEF-AA6C-4BA6-85B2-A17D7F280E38}" type="slidenum">
+              <a:rPr lang="en-US" smtClean="0">
+                <a:latin typeface="Casper"/>
+                <a:cs typeface="Times New Roman" panose="02020503050405090304" pitchFamily="18" charset="0"/>
+              </a:rPr>
+            </a:fld>
+            <a:endParaRPr lang="en-US">
+              <a:latin typeface="Casper"/>
+              <a:cs typeface="Times New Roman" panose="02020503050405090304" pitchFamily="18" charset="0"/>
+            </a:endParaRPr>
+          </a:p>
+        </p:txBody>
+      </p:sp>
+      <p:graphicFrame>
+        <p:nvGraphicFramePr>
+          <p:cNvPr id="3" name="Content Placeholder 2"/>
+          <p:cNvGraphicFramePr/>
+          <p:nvPr>
+            <p:ph idx="1"/>
+          </p:nvPr>
+        </p:nvGraphicFramePr>
+        <p:xfrm>
+          <a:off x="394447" y="1639888"/>
+          <a:ext cx="11153140" cy="3810000"/>
+        </p:xfrm>
+        <a:graphic>
+          <a:graphicData uri="http://schemas.openxmlformats.org/drawingml/2006/table">
+            <a:tbl>
+              <a:tblPr firstRow="1" bandRow="1">
+                <a:tableStyleId>{5C22544A-7EE6-4342-B048-85BDC9FD1C3A}</a:tableStyleId>
+              </a:tblPr>
+              <a:tblGrid>
+                <a:gridCol w="1591310"/>
+                <a:gridCol w="2869946"/>
+                <a:gridCol w="2230628"/>
+                <a:gridCol w="3143250"/>
+                <a:gridCol w="1318006"/>
+              </a:tblGrid>
+              <a:tr h="381000">
+                <a:tc>
+                  <a:txBody>
+                    <a:bodyPr/>
+                    <a:p>
+                      <a:pPr>
+                        <a:buNone/>
+                      </a:pPr>
+                      <a:r>
+                        <a:rPr lang="en-US"/>
+                        <a:t>Test Case ID</a:t>
+                      </a:r>
+                      <a:endParaRPr lang="en-US"/>
+                    </a:p>
+                  </a:txBody>
+                  <a:tcPr/>
+                </a:tc>
+                <a:tc>
+                  <a:txBody>
+                    <a:bodyPr/>
+                    <a:p>
+                      <a:pPr>
+                        <a:buNone/>
+                      </a:pPr>
+                      <a:r>
+                        <a:rPr lang="en-US"/>
+                        <a:t>Description</a:t>
+                      </a:r>
+                      <a:endParaRPr lang="en-US"/>
+                    </a:p>
+                  </a:txBody>
+                  <a:tcPr/>
+                </a:tc>
+                <a:tc>
+                  <a:txBody>
+                    <a:bodyPr/>
+                    <a:p>
+                      <a:pPr>
+                        <a:buNone/>
+                      </a:pPr>
+                      <a:r>
+                        <a:rPr lang="en-US"/>
+                        <a:t>Input</a:t>
+                      </a:r>
+                      <a:endParaRPr lang="en-US"/>
+                    </a:p>
+                  </a:txBody>
+                  <a:tcPr/>
+                </a:tc>
+                <a:tc>
+                  <a:txBody>
+                    <a:bodyPr/>
+                    <a:p>
+                      <a:pPr>
+                        <a:buNone/>
+                      </a:pPr>
+                      <a:r>
+                        <a:rPr lang="en-US"/>
+                        <a:t>Expected Output</a:t>
+                      </a:r>
+                      <a:endParaRPr lang="en-US"/>
+                    </a:p>
+                  </a:txBody>
+                  <a:tcPr/>
+                </a:tc>
+                <a:tc>
+                  <a:txBody>
+                    <a:bodyPr/>
+                    <a:p>
+                      <a:pPr>
+                        <a:buNone/>
+                      </a:pPr>
+                      <a:r>
+                        <a:rPr lang="en-US"/>
+                        <a:t>Status</a:t>
+                      </a:r>
+                      <a:endParaRPr lang="en-US"/>
+                    </a:p>
+                  </a:txBody>
+                  <a:tcPr/>
+                </a:tc>
+              </a:tr>
+              <a:tr h="381000">
+                <a:tc>
+                  <a:txBody>
+                    <a:bodyPr/>
+                    <a:p>
+                      <a:pPr>
+                        <a:buNone/>
+                      </a:pPr>
+                      <a:endParaRPr lang="en-US"/>
+                    </a:p>
+                  </a:txBody>
+                  <a:tcPr/>
+                </a:tc>
+                <a:tc>
+                  <a:txBody>
+                    <a:bodyPr/>
+                    <a:p>
+                      <a:pPr>
+                        <a:buNone/>
+                      </a:pPr>
+                      <a:endParaRPr lang="en-US"/>
+                    </a:p>
+                  </a:txBody>
+                  <a:tcPr/>
+                </a:tc>
+                <a:tc>
+                  <a:txBody>
+                    <a:bodyPr/>
+                    <a:p>
+                      <a:pPr>
+                        <a:buNone/>
+                      </a:pPr>
+                      <a:endParaRPr lang="en-US"/>
+                    </a:p>
+                  </a:txBody>
+                  <a:tcPr/>
+                </a:tc>
+                <a:tc>
+                  <a:txBody>
+                    <a:bodyPr/>
+                    <a:p>
+                      <a:pPr>
+                        <a:buNone/>
+                      </a:pPr>
+                      <a:endParaRPr lang="en-US"/>
+                    </a:p>
+                  </a:txBody>
+                  <a:tcPr/>
+                </a:tc>
+                <a:tc>
+                  <a:txBody>
+                    <a:bodyPr/>
+                    <a:p>
+                      <a:pPr>
+                        <a:buNone/>
+                      </a:pPr>
+                      <a:endParaRPr lang="en-US"/>
+                    </a:p>
+                  </a:txBody>
+                  <a:tcPr/>
+                </a:tc>
+              </a:tr>
+              <a:tr h="381000">
+                <a:tc>
+                  <a:txBody>
+                    <a:bodyPr/>
+                    <a:p>
+                      <a:pPr>
+                        <a:buNone/>
+                      </a:pPr>
+                      <a:endParaRPr lang="en-US"/>
+                    </a:p>
+                  </a:txBody>
+                  <a:tcPr/>
+                </a:tc>
+                <a:tc>
+                  <a:txBody>
+                    <a:bodyPr/>
+                    <a:p>
+                      <a:pPr>
+                        <a:buNone/>
+                      </a:pPr>
+                      <a:endParaRPr lang="en-US"/>
+                    </a:p>
+                  </a:txBody>
+                  <a:tcPr/>
+                </a:tc>
+                <a:tc>
+                  <a:txBody>
+                    <a:bodyPr/>
+                    <a:p>
+                      <a:pPr>
+                        <a:buNone/>
+                      </a:pPr>
+                      <a:endParaRPr lang="en-US"/>
+                    </a:p>
+                  </a:txBody>
+                  <a:tcPr/>
+                </a:tc>
+                <a:tc>
+                  <a:txBody>
+                    <a:bodyPr/>
+                    <a:p>
+                      <a:pPr>
+                        <a:buNone/>
+                      </a:pPr>
+                      <a:endParaRPr lang="en-US"/>
+                    </a:p>
+                  </a:txBody>
+                  <a:tcPr/>
+                </a:tc>
+                <a:tc>
+                  <a:txBody>
+                    <a:bodyPr/>
+                    <a:p>
+                      <a:pPr>
+                        <a:buNone/>
+                      </a:pPr>
+                      <a:endParaRPr lang="en-US"/>
+                    </a:p>
+                  </a:txBody>
+                  <a:tcPr/>
+                </a:tc>
+              </a:tr>
+              <a:tr h="381000">
+                <a:tc>
+                  <a:txBody>
+                    <a:bodyPr/>
+                    <a:p>
+                      <a:pPr>
+                        <a:buNone/>
+                      </a:pPr>
+                      <a:endParaRPr lang="en-US"/>
+                    </a:p>
+                  </a:txBody>
+                  <a:tcPr/>
+                </a:tc>
+                <a:tc>
+                  <a:txBody>
+                    <a:bodyPr/>
+                    <a:p>
+                      <a:pPr>
+                        <a:buNone/>
+                      </a:pPr>
+                      <a:endParaRPr lang="en-US"/>
+                    </a:p>
+                  </a:txBody>
+                  <a:tcPr/>
+                </a:tc>
+                <a:tc>
+                  <a:txBody>
+                    <a:bodyPr/>
+                    <a:p>
+                      <a:pPr>
+                        <a:buNone/>
+                      </a:pPr>
+                      <a:endParaRPr lang="en-US"/>
+                    </a:p>
+                  </a:txBody>
+                  <a:tcPr/>
+                </a:tc>
+                <a:tc>
+                  <a:txBody>
+                    <a:bodyPr/>
+                    <a:p>
+                      <a:pPr>
+                        <a:buNone/>
+                      </a:pPr>
+                      <a:endParaRPr lang="en-US"/>
+                    </a:p>
+                  </a:txBody>
+                  <a:tcPr/>
+                </a:tc>
+                <a:tc>
+                  <a:txBody>
+                    <a:bodyPr/>
+                    <a:p>
+                      <a:pPr>
+                        <a:buNone/>
+                      </a:pPr>
+                      <a:endParaRPr lang="en-US"/>
+                    </a:p>
+                  </a:txBody>
+                  <a:tcPr/>
+                </a:tc>
+              </a:tr>
+              <a:tr h="381000">
+                <a:tc>
+                  <a:txBody>
+                    <a:bodyPr/>
+                    <a:p>
+                      <a:pPr>
+                        <a:buNone/>
+                      </a:pPr>
+                      <a:endParaRPr lang="en-US"/>
+                    </a:p>
+                  </a:txBody>
+                  <a:tcPr/>
+                </a:tc>
+                <a:tc>
+                  <a:txBody>
+                    <a:bodyPr/>
+                    <a:p>
+                      <a:pPr>
+                        <a:buNone/>
+                      </a:pPr>
+                      <a:endParaRPr lang="en-US"/>
+                    </a:p>
+                  </a:txBody>
+                  <a:tcPr/>
+                </a:tc>
+                <a:tc>
+                  <a:txBody>
+                    <a:bodyPr/>
+                    <a:p>
+                      <a:pPr>
+                        <a:buNone/>
+                      </a:pPr>
+                      <a:endParaRPr lang="en-US"/>
+                    </a:p>
+                  </a:txBody>
+                  <a:tcPr/>
+                </a:tc>
+                <a:tc>
+                  <a:txBody>
+                    <a:bodyPr/>
+                    <a:p>
+                      <a:pPr>
+                        <a:buNone/>
+                      </a:pPr>
+                      <a:endParaRPr lang="en-US"/>
+                    </a:p>
+                  </a:txBody>
+                  <a:tcPr/>
+                </a:tc>
+                <a:tc>
+                  <a:txBody>
+                    <a:bodyPr/>
+                    <a:p>
+                      <a:pPr>
+                        <a:buNone/>
+                      </a:pPr>
+                      <a:endParaRPr lang="en-US"/>
+                    </a:p>
+                  </a:txBody>
+                  <a:tcPr/>
+                </a:tc>
+              </a:tr>
+              <a:tr h="381000">
+                <a:tc>
+                  <a:txBody>
+                    <a:bodyPr/>
+                    <a:p>
+                      <a:pPr>
+                        <a:buNone/>
+                      </a:pPr>
+                      <a:endParaRPr lang="en-US"/>
+                    </a:p>
+                  </a:txBody>
+                  <a:tcPr/>
+                </a:tc>
+                <a:tc>
+                  <a:txBody>
+                    <a:bodyPr/>
+                    <a:p>
+                      <a:pPr>
+                        <a:buNone/>
+                      </a:pPr>
+                      <a:endParaRPr lang="en-US"/>
+                    </a:p>
+                  </a:txBody>
+                  <a:tcPr/>
+                </a:tc>
+                <a:tc>
+                  <a:txBody>
+                    <a:bodyPr/>
+                    <a:p>
+                      <a:pPr>
+                        <a:buNone/>
+                      </a:pPr>
+                      <a:endParaRPr lang="en-US"/>
+                    </a:p>
+                  </a:txBody>
+                  <a:tcPr/>
+                </a:tc>
+                <a:tc>
+                  <a:txBody>
+                    <a:bodyPr/>
+                    <a:p>
+                      <a:pPr>
+                        <a:buNone/>
+                      </a:pPr>
+                      <a:endParaRPr lang="en-US"/>
+                    </a:p>
+                  </a:txBody>
+                  <a:tcPr/>
+                </a:tc>
+                <a:tc>
+                  <a:txBody>
+                    <a:bodyPr/>
+                    <a:p>
+                      <a:pPr>
+                        <a:buNone/>
+                      </a:pPr>
+                      <a:endParaRPr lang="en-US"/>
+                    </a:p>
+                  </a:txBody>
+                  <a:tcPr/>
+                </a:tc>
+              </a:tr>
+              <a:tr h="381000">
+                <a:tc>
+                  <a:txBody>
+                    <a:bodyPr/>
+                    <a:p>
+                      <a:pPr>
+                        <a:buNone/>
+                      </a:pPr>
+                      <a:endParaRPr lang="en-US"/>
+                    </a:p>
+                  </a:txBody>
+                  <a:tcPr/>
+                </a:tc>
+                <a:tc>
+                  <a:txBody>
+                    <a:bodyPr/>
+                    <a:p>
+                      <a:pPr>
+                        <a:buNone/>
+                      </a:pPr>
+                      <a:endParaRPr lang="en-US"/>
+                    </a:p>
+                  </a:txBody>
+                  <a:tcPr/>
+                </a:tc>
+                <a:tc>
+                  <a:txBody>
+                    <a:bodyPr/>
+                    <a:p>
+                      <a:pPr>
+                        <a:buNone/>
+                      </a:pPr>
+                      <a:endParaRPr lang="en-US"/>
+                    </a:p>
+                  </a:txBody>
+                  <a:tcPr/>
+                </a:tc>
+                <a:tc>
+                  <a:txBody>
+                    <a:bodyPr/>
+                    <a:p>
+                      <a:pPr>
+                        <a:buNone/>
+                      </a:pPr>
+                      <a:endParaRPr lang="en-US"/>
+                    </a:p>
+                  </a:txBody>
+                  <a:tcPr/>
+                </a:tc>
+                <a:tc>
+                  <a:txBody>
+                    <a:bodyPr/>
+                    <a:p>
+                      <a:pPr>
+                        <a:buNone/>
+                      </a:pPr>
+                      <a:endParaRPr lang="en-US"/>
+                    </a:p>
+                  </a:txBody>
+                  <a:tcPr/>
+                </a:tc>
+              </a:tr>
+              <a:tr h="381000">
+                <a:tc>
+                  <a:txBody>
+                    <a:bodyPr/>
+                    <a:p>
+                      <a:pPr>
+                        <a:buNone/>
+                      </a:pPr>
+                      <a:endParaRPr lang="en-US"/>
+                    </a:p>
+                  </a:txBody>
+                  <a:tcPr/>
+                </a:tc>
+                <a:tc>
+                  <a:txBody>
+                    <a:bodyPr/>
+                    <a:p>
+                      <a:pPr>
+                        <a:buNone/>
+                      </a:pPr>
+                      <a:endParaRPr lang="en-US"/>
+                    </a:p>
+                  </a:txBody>
+                  <a:tcPr/>
+                </a:tc>
+                <a:tc>
+                  <a:txBody>
+                    <a:bodyPr/>
+                    <a:p>
+                      <a:pPr>
+                        <a:buNone/>
+                      </a:pPr>
+                      <a:endParaRPr lang="en-US"/>
+                    </a:p>
+                  </a:txBody>
+                  <a:tcPr/>
+                </a:tc>
+                <a:tc>
+                  <a:txBody>
+                    <a:bodyPr/>
+                    <a:p>
+                      <a:pPr>
+                        <a:buNone/>
+                      </a:pPr>
+                      <a:endParaRPr lang="en-US"/>
+                    </a:p>
+                  </a:txBody>
+                  <a:tcPr/>
+                </a:tc>
+                <a:tc>
+                  <a:txBody>
+                    <a:bodyPr/>
+                    <a:p>
+                      <a:pPr>
+                        <a:buNone/>
+                      </a:pPr>
+                      <a:endParaRPr lang="en-US"/>
+                    </a:p>
+                  </a:txBody>
+                  <a:tcPr/>
+                </a:tc>
+              </a:tr>
+              <a:tr h="381000">
+                <a:tc>
+                  <a:txBody>
+                    <a:bodyPr/>
+                    <a:p>
+                      <a:pPr>
+                        <a:buNone/>
+                      </a:pPr>
+                      <a:endParaRPr lang="en-US"/>
+                    </a:p>
+                  </a:txBody>
+                  <a:tcPr/>
+                </a:tc>
+                <a:tc>
+                  <a:txBody>
+                    <a:bodyPr/>
+                    <a:p>
+                      <a:pPr>
+                        <a:buNone/>
+                      </a:pPr>
+                      <a:endParaRPr lang="en-US"/>
+                    </a:p>
+                  </a:txBody>
+                  <a:tcPr/>
+                </a:tc>
+                <a:tc>
+                  <a:txBody>
+                    <a:bodyPr/>
+                    <a:p>
+                      <a:pPr>
+                        <a:buNone/>
+                      </a:pPr>
+                      <a:endParaRPr lang="en-US"/>
+                    </a:p>
+                  </a:txBody>
+                  <a:tcPr/>
+                </a:tc>
+                <a:tc>
+                  <a:txBody>
+                    <a:bodyPr/>
+                    <a:p>
+                      <a:pPr>
+                        <a:buNone/>
+                      </a:pPr>
+                      <a:endParaRPr lang="en-US"/>
+                    </a:p>
+                  </a:txBody>
+                  <a:tcPr/>
+                </a:tc>
+                <a:tc>
+                  <a:txBody>
+                    <a:bodyPr/>
+                    <a:p>
+                      <a:pPr>
+                        <a:buNone/>
+                      </a:pPr>
+                      <a:endParaRPr lang="en-US"/>
+                    </a:p>
+                  </a:txBody>
+                  <a:tcPr/>
+                </a:tc>
+              </a:tr>
+              <a:tr h="381000">
+                <a:tc>
+                  <a:txBody>
+                    <a:bodyPr/>
+                    <a:p>
+                      <a:pPr>
+                        <a:buNone/>
+                      </a:pPr>
+                      <a:endParaRPr lang="en-US"/>
+                    </a:p>
+                  </a:txBody>
+                  <a:tcPr/>
+                </a:tc>
+                <a:tc>
+                  <a:txBody>
+                    <a:bodyPr/>
+                    <a:p>
+                      <a:pPr>
+                        <a:buNone/>
+                      </a:pPr>
+                      <a:endParaRPr lang="en-US"/>
+                    </a:p>
+                  </a:txBody>
+                  <a:tcPr/>
+                </a:tc>
+                <a:tc>
+                  <a:txBody>
+                    <a:bodyPr/>
+                    <a:p>
+                      <a:pPr>
+                        <a:buNone/>
+                      </a:pPr>
+                      <a:endParaRPr lang="en-US"/>
+                    </a:p>
+                  </a:txBody>
+                  <a:tcPr/>
+                </a:tc>
+                <a:tc>
+                  <a:txBody>
+                    <a:bodyPr/>
+                    <a:p>
+                      <a:pPr>
+                        <a:buNone/>
+                      </a:pPr>
+                      <a:endParaRPr lang="en-US"/>
+                    </a:p>
+                  </a:txBody>
+                  <a:tcPr/>
+                </a:tc>
+                <a:tc>
+                  <a:txBody>
+                    <a:bodyPr/>
+                    <a:p>
+                      <a:pPr>
+                        <a:buNone/>
+                      </a:pPr>
+                      <a:endParaRPr lang="en-US"/>
+                    </a:p>
+                  </a:txBody>
+                  <a:tcPr/>
+                </a:tc>
+              </a:tr>
+            </a:tbl>
+          </a:graphicData>
+        </a:graphic>
+      </p:graphicFrame>
+    </p:spTree>
+  </p:cSld>
+  <p:clrMapOvr>
+    <a:masterClrMapping/>
+  </p:clrMapOvr>
+</p:sld>
+</file>
+
+<file path=ppt/slides/slide11.xml><?xml version="1.0" encoding="utf-8"?>
+<p:sld xmlns:a="http://schemas.openxmlformats.org/drawingml/2006/main" xmlns:r="http://schemas.openxmlformats.org/officeDocument/2006/relationships" xmlns:p="http://schemas.openxmlformats.org/presentationml/2006/main">
+  <p:cSld>
+    <p:spTree>
+      <p:nvGrpSpPr>
+        <p:cNvPr id="1" name=""/>
+        <p:cNvGrpSpPr/>
+        <p:nvPr/>
+      </p:nvGrpSpPr>
+      <p:grpSpPr>
+        <a:xfrm>
+          <a:off x="0" y="0"/>
+          <a:ext cx="0" cy="0"/>
+          <a:chOff x="0" y="0"/>
+          <a:chExt cx="0" cy="0"/>
+        </a:xfrm>
+      </p:grpSpPr>
+      <p:sp>
+        <p:nvSpPr>
+          <p:cNvPr id="2" name="Title 1"/>
+          <p:cNvSpPr>
+            <a:spLocks noGrp="1"/>
+          </p:cNvSpPr>
+          <p:nvPr>
+            <p:ph type="title"/>
+          </p:nvPr>
+        </p:nvSpPr>
+        <p:spPr>
+          <a:xfrm>
+            <a:off x="847531" y="136525"/>
+            <a:ext cx="8646459" cy="1279527"/>
+          </a:xfrm>
+        </p:spPr>
+        <p:txBody>
+          <a:bodyPr>
+            <a:normAutofit/>
+          </a:bodyPr>
+          <a:lstStyle/>
+          <a:p>
+            <a:r>
+              <a:rPr lang="en-US" sz="4000" b="1" dirty="0">
+                <a:solidFill>
+                  <a:srgbClr val="C00000"/>
+                </a:solidFill>
+                <a:effectLst/>
+                <a:latin typeface="Times New Roman" panose="02020503050405090304" pitchFamily="18" charset="0"/>
+                <a:cs typeface="Times New Roman" panose="02020503050405090304" pitchFamily="18" charset="0"/>
+              </a:rPr>
               <a:t>Comparative Analysis</a:t>
             </a:r>
             <a:endParaRPr lang="en-US" sz="4000" b="1" dirty="0">
@@ -11523,204 +12290,6 @@
 </p:sld>
 </file>
 
-<file path=ppt/slides/slide11.xml><?xml version="1.0" encoding="utf-8"?>
-<p:sld xmlns:a="http://schemas.openxmlformats.org/drawingml/2006/main" xmlns:r="http://schemas.openxmlformats.org/officeDocument/2006/relationships" xmlns:p="http://schemas.openxmlformats.org/presentationml/2006/main">
-  <p:cSld>
-    <p:spTree>
-      <p:nvGrpSpPr>
-        <p:cNvPr id="1" name=""/>
-        <p:cNvGrpSpPr/>
-        <p:nvPr/>
-      </p:nvGrpSpPr>
-      <p:grpSpPr>
-        <a:xfrm>
-          <a:off x="0" y="0"/>
-          <a:ext cx="0" cy="0"/>
-          <a:chOff x="0" y="0"/>
-          <a:chExt cx="0" cy="0"/>
-        </a:xfrm>
-      </p:grpSpPr>
-      <p:sp>
-        <p:nvSpPr>
-          <p:cNvPr id="2" name="Title 1"/>
-          <p:cNvSpPr>
-            <a:spLocks noGrp="1"/>
-          </p:cNvSpPr>
-          <p:nvPr>
-            <p:ph type="title"/>
-          </p:nvPr>
-        </p:nvSpPr>
-        <p:spPr>
-          <a:xfrm>
-            <a:off x="847531" y="136525"/>
-            <a:ext cx="8646459" cy="1279527"/>
-          </a:xfrm>
-        </p:spPr>
-        <p:txBody>
-          <a:bodyPr>
-            <a:normAutofit/>
-          </a:bodyPr>
-          <a:lstStyle/>
-          <a:p>
-            <a:r>
-              <a:rPr lang="en-US" sz="4000" b="1" dirty="0">
-                <a:solidFill>
-                  <a:srgbClr val="C00000"/>
-                </a:solidFill>
-                <a:effectLst/>
-                <a:latin typeface="Times New Roman" panose="02020503050405090304" pitchFamily="18" charset="0"/>
-                <a:cs typeface="Times New Roman" panose="02020503050405090304" pitchFamily="18" charset="0"/>
-              </a:rPr>
-              <a:t>Conclusion</a:t>
-            </a:r>
-            <a:endParaRPr lang="en-US" sz="4000" b="1" dirty="0">
-              <a:solidFill>
-                <a:srgbClr val="C00000"/>
-              </a:solidFill>
-              <a:effectLst/>
-              <a:latin typeface="Times New Roman" panose="02020503050405090304" pitchFamily="18" charset="0"/>
-              <a:cs typeface="Times New Roman" panose="02020503050405090304" pitchFamily="18" charset="0"/>
-            </a:endParaRPr>
-          </a:p>
-        </p:txBody>
-      </p:sp>
-      <p:sp>
-        <p:nvSpPr>
-          <p:cNvPr id="4" name="Slide Number Placeholder 3"/>
-          <p:cNvSpPr>
-            <a:spLocks noGrp="1"/>
-          </p:cNvSpPr>
-          <p:nvPr>
-            <p:ph type="sldNum" sz="quarter" idx="12"/>
-          </p:nvPr>
-        </p:nvSpPr>
-        <p:spPr/>
-        <p:txBody>
-          <a:bodyPr/>
-          <a:lstStyle/>
-          <a:p>
-            <a:fld id="{BDCDBBEF-AA6C-4BA6-85B2-A17D7F280E38}" type="slidenum">
-              <a:rPr lang="en-US" smtClean="0">
-                <a:latin typeface="Casper"/>
-                <a:cs typeface="Times New Roman" panose="02020503050405090304" pitchFamily="18" charset="0"/>
-              </a:rPr>
-            </a:fld>
-            <a:endParaRPr lang="en-US">
-              <a:latin typeface="Casper"/>
-              <a:cs typeface="Times New Roman" panose="02020503050405090304" pitchFamily="18" charset="0"/>
-            </a:endParaRPr>
-          </a:p>
-        </p:txBody>
-      </p:sp>
-      <p:sp>
-        <p:nvSpPr>
-          <p:cNvPr id="7" name="Content Placeholder 6"/>
-          <p:cNvSpPr>
-            <a:spLocks noGrp="1"/>
-          </p:cNvSpPr>
-          <p:nvPr>
-            <p:ph idx="1"/>
-          </p:nvPr>
-        </p:nvSpPr>
-        <p:spPr>
-          <a:xfrm>
-            <a:off x="394447" y="1639888"/>
-            <a:ext cx="11152093" cy="4608512"/>
-          </a:xfrm>
-        </p:spPr>
-        <p:txBody>
-          <a:bodyPr>
-            <a:normAutofit/>
-          </a:bodyPr>
-          <a:lstStyle/>
-          <a:p>
-            <a:pPr marL="0" indent="0">
-              <a:buNone/>
-            </a:pPr>
-            <a:r>
-              <a:rPr lang="en-US" sz="2400" dirty="0">
-                <a:latin typeface="Times New Roman" panose="02020503050405090304" pitchFamily="18" charset="0"/>
-                <a:cs typeface="Times New Roman" panose="02020503050405090304" pitchFamily="18" charset="0"/>
-              </a:rPr>
-              <a:t>The "Made Setup" project successfully created a specialized e-commerce platform for setup products, utilizing the </a:t>
-            </a:r>
-            <a:r>
-              <a:rPr lang="en-US" sz="2400" b="1" dirty="0">
-                <a:latin typeface="Times New Roman Bold" panose="02020503050405090304" charset="0"/>
-                <a:cs typeface="Times New Roman Bold" panose="02020503050405090304" charset="0"/>
-              </a:rPr>
-              <a:t>Agile software model</a:t>
-            </a:r>
-            <a:r>
-              <a:rPr lang="en-US" sz="2400" dirty="0">
-                <a:latin typeface="Times New Roman" panose="02020503050405090304" pitchFamily="18" charset="0"/>
-                <a:cs typeface="Times New Roman" panose="02020503050405090304" pitchFamily="18" charset="0"/>
-              </a:rPr>
-              <a:t> for iterative development. The total project cost is approximately </a:t>
-            </a:r>
-            <a:r>
-              <a:rPr lang="en-US" sz="2400" b="1" dirty="0">
-                <a:latin typeface="Times New Roman Bold" panose="02020503050405090304" charset="0"/>
-                <a:cs typeface="Times New Roman Bold" panose="02020503050405090304" charset="0"/>
-              </a:rPr>
-              <a:t>$20,000</a:t>
-            </a:r>
-            <a:r>
-              <a:rPr lang="en-US" sz="2400" dirty="0">
-                <a:latin typeface="Times New Roman" panose="02020503050405090304" pitchFamily="18" charset="0"/>
-                <a:cs typeface="Times New Roman" panose="02020503050405090304" pitchFamily="18" charset="0"/>
-              </a:rPr>
-              <a:t>, encompassing development, design, testing, and marketing.</a:t>
-            </a:r>
-            <a:endParaRPr lang="en-US" sz="2400" dirty="0">
-              <a:latin typeface="Times New Roman" panose="02020503050405090304" pitchFamily="18" charset="0"/>
-              <a:cs typeface="Times New Roman" panose="02020503050405090304" pitchFamily="18" charset="0"/>
-            </a:endParaRPr>
-          </a:p>
-          <a:p>
-            <a:pPr marL="0" indent="0">
-              <a:buNone/>
-            </a:pPr>
-            <a:endParaRPr lang="en-US" sz="2400" dirty="0">
-              <a:latin typeface="Times New Roman" panose="02020503050405090304" pitchFamily="18" charset="0"/>
-              <a:cs typeface="Times New Roman" panose="02020503050405090304" pitchFamily="18" charset="0"/>
-            </a:endParaRPr>
-          </a:p>
-          <a:p>
-            <a:pPr marL="0" indent="0">
-              <a:buNone/>
-            </a:pPr>
-            <a:r>
-              <a:rPr lang="en-US" sz="2400" dirty="0">
-                <a:latin typeface="Times New Roman" panose="02020503050405090304" pitchFamily="18" charset="0"/>
-                <a:cs typeface="Times New Roman" panose="02020503050405090304" pitchFamily="18" charset="0"/>
-              </a:rPr>
-              <a:t>The platform stands out for its user experience, customization options, and strong customer support, positioning it well against competitors.</a:t>
-            </a:r>
-            <a:endParaRPr lang="en-US" sz="2400" dirty="0">
-              <a:latin typeface="Times New Roman" panose="02020503050405090304" pitchFamily="18" charset="0"/>
-              <a:cs typeface="Times New Roman" panose="02020503050405090304" pitchFamily="18" charset="0"/>
-            </a:endParaRPr>
-          </a:p>
-          <a:p>
-            <a:pPr marL="0" indent="0">
-              <a:buNone/>
-            </a:pPr>
-            <a:endParaRPr lang="en-US" sz="2400" dirty="0">
-              <a:latin typeface="Times New Roman" panose="02020503050405090304" pitchFamily="18" charset="0"/>
-              <a:cs typeface="Times New Roman" panose="02020503050405090304" pitchFamily="18" charset="0"/>
-            </a:endParaRPr>
-          </a:p>
-        </p:txBody>
-      </p:sp>
-    </p:spTree>
-  </p:cSld>
-  <p:clrMapOvr>
-    <a:masterClrMapping/>
-  </p:clrMapOvr>
-</p:sld>
-</file>
-
 <file path=ppt/slides/slide12.xml><?xml version="1.0" encoding="utf-8"?>
 <p:sld xmlns:a="http://schemas.openxmlformats.org/drawingml/2006/main" xmlns:r="http://schemas.openxmlformats.org/officeDocument/2006/relationships" xmlns:p="http://schemas.openxmlformats.org/presentationml/2006/main">
   <p:cSld>
@@ -11769,7 +12338,7 @@
                 <a:latin typeface="Times New Roman" panose="02020503050405090304" pitchFamily="18" charset="0"/>
                 <a:cs typeface="Times New Roman" panose="02020503050405090304" pitchFamily="18" charset="0"/>
               </a:rPr>
-              <a:t>Future Aspects</a:t>
+              <a:t>Conclusion</a:t>
             </a:r>
             <a:endParaRPr lang="en-US" sz="4000" b="1" dirty="0">
               <a:solidFill>
@@ -11832,25 +12401,43 @@
           </a:bodyPr>
           <a:lstStyle/>
           <a:p>
-            <a:pPr marL="457200" indent="-457200" algn="just">
-              <a:lnSpc>
-                <a:spcPct val="150000"/>
-              </a:lnSpc>
-              <a:buAutoNum type="arabicPeriod"/>
+            <a:pPr marL="0" indent="0">
+              <a:buNone/>
             </a:pPr>
+            <a:r>
+              <a:rPr lang="en-US" sz="2400" dirty="0">
+                <a:latin typeface="Times New Roman" panose="02020503050405090304" pitchFamily="18" charset="0"/>
+                <a:cs typeface="Times New Roman" panose="02020503050405090304" pitchFamily="18" charset="0"/>
+              </a:rPr>
+              <a:t>The "Made Setup" project successfully created a specialized e-commerce platform for setup products, utilizing the </a:t>
+            </a:r>
             <a:r>
               <a:rPr lang="en-US" sz="2400" b="1" dirty="0">
                 <a:latin typeface="Times New Roman Bold" panose="02020503050405090304" charset="0"/>
                 <a:cs typeface="Times New Roman Bold" panose="02020503050405090304" charset="0"/>
               </a:rPr>
-              <a:t>Feature Expansion:</a:t>
+              <a:t>Agile software model</a:t>
             </a:r>
             <a:r>
               <a:rPr lang="en-US" sz="2400" dirty="0">
                 <a:latin typeface="Times New Roman" panose="02020503050405090304" pitchFamily="18" charset="0"/>
                 <a:cs typeface="Times New Roman" panose="02020503050405090304" pitchFamily="18" charset="0"/>
               </a:rPr>
-              <a:t> Introducing augmented reality (AR) for product visualization.</a:t>
+              <a:t> for iterative development. The total project cost is approximately </a:t>
+            </a:r>
+            <a:r>
+              <a:rPr lang="en-US" sz="2400" b="1" dirty="0">
+                <a:latin typeface="Times New Roman Bold" panose="02020503050405090304" charset="0"/>
+                <a:cs typeface="Times New Roman Bold" panose="02020503050405090304" charset="0"/>
+              </a:rPr>
+              <a:t>$20,000</a:t>
+            </a:r>
+            <a:r>
+              <a:rPr lang="en-US" sz="2400" dirty="0">
+                <a:latin typeface="Times New Roman" panose="02020503050405090304" pitchFamily="18" charset="0"/>
+                <a:cs typeface="Times New Roman" panose="02020503050405090304" pitchFamily="18" charset="0"/>
+              </a:rPr>
+              <a:t>, encompassing development, design, testing, and marketing.</a:t>
             </a:r>
             <a:endParaRPr lang="en-US" sz="2400" dirty="0">
               <a:latin typeface="Times New Roman" panose="02020503050405090304" pitchFamily="18" charset="0"/>
@@ -11858,25 +12445,24 @@
             </a:endParaRPr>
           </a:p>
           <a:p>
-            <a:pPr marL="457200" indent="-457200" algn="just">
-              <a:lnSpc>
-                <a:spcPct val="150000"/>
-              </a:lnSpc>
-              <a:buAutoNum type="arabicPeriod"/>
+            <a:pPr marL="0" indent="0">
+              <a:buNone/>
             </a:pPr>
-            <a:r>
-              <a:rPr lang="en-US" sz="2400" b="1" dirty="0">
-                <a:latin typeface="Times New Roman Bold" panose="02020503050405090304" charset="0"/>
-                <a:cs typeface="Times New Roman Bold" panose="02020503050405090304" charset="0"/>
-              </a:rPr>
-              <a:t>Mobile App Development:</a:t>
-            </a:r>
+            <a:endParaRPr lang="en-US" sz="2400" dirty="0">
+              <a:latin typeface="Times New Roman" panose="02020503050405090304" pitchFamily="18" charset="0"/>
+              <a:cs typeface="Times New Roman" panose="02020503050405090304" pitchFamily="18" charset="0"/>
+            </a:endParaRPr>
+          </a:p>
+          <a:p>
+            <a:pPr marL="0" indent="0">
+              <a:buNone/>
+            </a:pPr>
             <a:r>
               <a:rPr lang="en-US" sz="2400" dirty="0">
                 <a:latin typeface="Times New Roman" panose="02020503050405090304" pitchFamily="18" charset="0"/>
                 <a:cs typeface="Times New Roman" panose="02020503050405090304" pitchFamily="18" charset="0"/>
               </a:rPr>
-              <a:t> Launching a mobile application for increased accessibility.</a:t>
+              <a:t>The platform stands out for its user experience, customization options, and strong customer support, positioning it well against competitors.</a:t>
             </a:r>
             <a:endParaRPr lang="en-US" sz="2400" dirty="0">
               <a:latin typeface="Times New Roman" panose="02020503050405090304" pitchFamily="18" charset="0"/>
@@ -11884,78 +12470,9 @@
             </a:endParaRPr>
           </a:p>
           <a:p>
-            <a:pPr marL="457200" indent="-457200" algn="just">
-              <a:lnSpc>
-                <a:spcPct val="150000"/>
-              </a:lnSpc>
-              <a:buAutoNum type="arabicPeriod"/>
+            <a:pPr marL="0" indent="0">
+              <a:buNone/>
             </a:pPr>
-            <a:r>
-              <a:rPr lang="en-US" sz="2400" b="1" dirty="0">
-                <a:latin typeface="Times New Roman Bold" panose="02020503050405090304" charset="0"/>
-                <a:cs typeface="Times New Roman Bold" panose="02020503050405090304" charset="0"/>
-              </a:rPr>
-              <a:t>Market Research:</a:t>
-            </a:r>
-            <a:r>
-              <a:rPr lang="en-US" sz="2400" dirty="0">
-                <a:latin typeface="Times New Roman" panose="02020503050405090304" pitchFamily="18" charset="0"/>
-                <a:cs typeface="Times New Roman" panose="02020503050405090304" pitchFamily="18" charset="0"/>
-              </a:rPr>
-              <a:t> Ongoing analysis to adapt to emerging trends.</a:t>
-            </a:r>
-            <a:endParaRPr lang="en-US" sz="2400" dirty="0">
-              <a:latin typeface="Times New Roman" panose="02020503050405090304" pitchFamily="18" charset="0"/>
-              <a:cs typeface="Times New Roman" panose="02020503050405090304" pitchFamily="18" charset="0"/>
-            </a:endParaRPr>
-          </a:p>
-          <a:p>
-            <a:pPr marL="457200" indent="-457200" algn="just">
-              <a:lnSpc>
-                <a:spcPct val="150000"/>
-              </a:lnSpc>
-              <a:buAutoNum type="arabicPeriod"/>
-            </a:pPr>
-            <a:r>
-              <a:rPr lang="en-US" sz="2400" b="1" dirty="0">
-                <a:latin typeface="Times New Roman Bold" panose="02020503050405090304" charset="0"/>
-                <a:cs typeface="Times New Roman Bold" panose="02020503050405090304" charset="0"/>
-              </a:rPr>
-              <a:t>Sustainability Practices:</a:t>
-            </a:r>
-            <a:r>
-              <a:rPr lang="en-US" sz="2400" dirty="0">
-                <a:latin typeface="Times New Roman" panose="02020503050405090304" pitchFamily="18" charset="0"/>
-                <a:cs typeface="Times New Roman" panose="02020503050405090304" pitchFamily="18" charset="0"/>
-              </a:rPr>
-              <a:t> Implementing eco-friendly sourcing and packaging.</a:t>
-            </a:r>
-            <a:endParaRPr lang="en-US" sz="2400" dirty="0">
-              <a:latin typeface="Times New Roman" panose="02020503050405090304" pitchFamily="18" charset="0"/>
-              <a:cs typeface="Times New Roman" panose="02020503050405090304" pitchFamily="18" charset="0"/>
-            </a:endParaRPr>
-          </a:p>
-          <a:p>
-            <a:pPr marL="457200" indent="-457200" algn="just">
-              <a:lnSpc>
-                <a:spcPct val="150000"/>
-              </a:lnSpc>
-              <a:buAutoNum type="arabicPeriod"/>
-            </a:pPr>
-            <a:r>
-              <a:rPr lang="en-US" sz="2400" b="1" dirty="0">
-                <a:latin typeface="Times New Roman Bold" panose="02020503050405090304" charset="0"/>
-                <a:cs typeface="Times New Roman Bold" panose="02020503050405090304" charset="0"/>
-              </a:rPr>
-              <a:t>Enhanced Customer Support:</a:t>
-            </a:r>
-            <a:r>
-              <a:rPr lang="en-US" sz="2400" dirty="0">
-                <a:latin typeface="Times New Roman" panose="02020503050405090304" pitchFamily="18" charset="0"/>
-                <a:cs typeface="Times New Roman" panose="02020503050405090304" pitchFamily="18" charset="0"/>
-              </a:rPr>
-              <a:t> Expanding support channels, including AI chatbots.</a:t>
-            </a:r>
             <a:endParaRPr lang="en-US" sz="2400" dirty="0">
               <a:latin typeface="Times New Roman" panose="02020503050405090304" pitchFamily="18" charset="0"/>
               <a:cs typeface="Times New Roman" panose="02020503050405090304" pitchFamily="18" charset="0"/>
@@ -12019,7 +12536,7 @@
                 <a:latin typeface="Times New Roman" panose="02020503050405090304" pitchFamily="18" charset="0"/>
                 <a:cs typeface="Times New Roman" panose="02020503050405090304" pitchFamily="18" charset="0"/>
               </a:rPr>
-              <a:t>Bibliography</a:t>
+              <a:t>Future Aspects</a:t>
             </a:r>
             <a:endParaRPr lang="en-US" sz="4000" b="1" dirty="0">
               <a:solidFill>
@@ -12078,46 +12595,55 @@
         </p:spPr>
         <p:txBody>
           <a:bodyPr>
-            <a:normAutofit fontScale="60000"/>
+            <a:normAutofit/>
           </a:bodyPr>
           <a:lstStyle/>
           <a:p>
-            <a:pPr marL="0" indent="0">
-              <a:buNone/>
+            <a:pPr marL="457200" indent="-457200" algn="just">
+              <a:lnSpc>
+                <a:spcPct val="150000"/>
+              </a:lnSpc>
+              <a:buAutoNum type="arabicPeriod"/>
             </a:pPr>
             <a:r>
               <a:rPr lang="en-US" sz="2400" b="1" dirty="0">
                 <a:latin typeface="Times New Roman Bold" panose="02020503050405090304" charset="0"/>
                 <a:cs typeface="Times New Roman Bold" panose="02020503050405090304" charset="0"/>
               </a:rPr>
-              <a:t>1. Books:</a:t>
-            </a:r>
-            <a:endParaRPr lang="en-US" sz="2400" b="1" dirty="0">
-              <a:latin typeface="Times New Roman Bold" panose="02020503050405090304" charset="0"/>
-              <a:cs typeface="Times New Roman Bold" panose="02020503050405090304" charset="0"/>
-            </a:endParaRPr>
-          </a:p>
-          <a:p>
+              <a:t>Feature Expansion:</a:t>
+            </a:r>
             <a:r>
               <a:rPr lang="en-US" sz="2400" dirty="0">
                 <a:latin typeface="Times New Roman" panose="02020503050405090304" pitchFamily="18" charset="0"/>
                 <a:cs typeface="Times New Roman" panose="02020503050405090304" pitchFamily="18" charset="0"/>
               </a:rPr>
-              <a:t>Smith, J. (2020). </a:t>
-            </a:r>
+              <a:t> Introducing augmented reality (AR) for product visualization.</a:t>
+            </a:r>
+            <a:endParaRPr lang="en-US" sz="2400" dirty="0">
+              <a:latin typeface="Times New Roman" panose="02020503050405090304" pitchFamily="18" charset="0"/>
+              <a:cs typeface="Times New Roman" panose="02020503050405090304" pitchFamily="18" charset="0"/>
+            </a:endParaRPr>
+          </a:p>
+          <a:p>
+            <a:pPr marL="457200" indent="-457200" algn="just">
+              <a:lnSpc>
+                <a:spcPct val="150000"/>
+              </a:lnSpc>
+              <a:buAutoNum type="arabicPeriod"/>
+            </a:pPr>
             <a:r>
               <a:rPr lang="en-US" sz="2400" b="1" dirty="0">
                 <a:latin typeface="Times New Roman Bold" panose="02020503050405090304" charset="0"/>
                 <a:cs typeface="Times New Roman Bold" panose="02020503050405090304" charset="0"/>
               </a:rPr>
-              <a:t>E-commerce Essentials</a:t>
+              <a:t>Mobile App Development:</a:t>
             </a:r>
             <a:r>
               <a:rPr lang="en-US" sz="2400" dirty="0">
                 <a:latin typeface="Times New Roman" panose="02020503050405090304" pitchFamily="18" charset="0"/>
                 <a:cs typeface="Times New Roman" panose="02020503050405090304" pitchFamily="18" charset="0"/>
               </a:rPr>
-              <a:t>. New York: Business Press.</a:t>
+              <a:t> Launching a mobile application for increased accessibility.</a:t>
             </a:r>
             <a:endParaRPr lang="en-US" sz="2400" dirty="0">
               <a:latin typeface="Times New Roman" panose="02020503050405090304" pitchFamily="18" charset="0"/>
@@ -12125,26 +12651,51 @@
             </a:endParaRPr>
           </a:p>
           <a:p>
+            <a:pPr marL="457200" indent="-457200" algn="just">
+              <a:lnSpc>
+                <a:spcPct val="150000"/>
+              </a:lnSpc>
+              <a:buAutoNum type="arabicPeriod"/>
+            </a:pPr>
+            <a:r>
+              <a:rPr lang="en-US" sz="2400" b="1" dirty="0">
+                <a:latin typeface="Times New Roman Bold" panose="02020503050405090304" charset="0"/>
+                <a:cs typeface="Times New Roman Bold" panose="02020503050405090304" charset="0"/>
+              </a:rPr>
+              <a:t>Market Research:</a:t>
+            </a:r>
             <a:r>
               <a:rPr lang="en-US" sz="2400" dirty="0">
                 <a:latin typeface="Times New Roman" panose="02020503050405090304" pitchFamily="18" charset="0"/>
                 <a:cs typeface="Times New Roman" panose="02020503050405090304" pitchFamily="18" charset="0"/>
               </a:rPr>
-              <a:t>Johnson, A. (2019). </a:t>
-            </a:r>
+              <a:t> Ongoing analysis to adapt to emerging trends.</a:t>
+            </a:r>
+            <a:endParaRPr lang="en-US" sz="2400" dirty="0">
+              <a:latin typeface="Times New Roman" panose="02020503050405090304" pitchFamily="18" charset="0"/>
+              <a:cs typeface="Times New Roman" panose="02020503050405090304" pitchFamily="18" charset="0"/>
+            </a:endParaRPr>
+          </a:p>
+          <a:p>
+            <a:pPr marL="457200" indent="-457200" algn="just">
+              <a:lnSpc>
+                <a:spcPct val="150000"/>
+              </a:lnSpc>
+              <a:buAutoNum type="arabicPeriod"/>
+            </a:pPr>
             <a:r>
               <a:rPr lang="en-US" sz="2400" b="1" dirty="0">
                 <a:latin typeface="Times New Roman Bold" panose="02020503050405090304" charset="0"/>
                 <a:cs typeface="Times New Roman Bold" panose="02020503050405090304" charset="0"/>
               </a:rPr>
-              <a:t>User Experience Guide</a:t>
+              <a:t>Sustainability Practices:</a:t>
             </a:r>
             <a:r>
               <a:rPr lang="en-US" sz="2400" dirty="0">
                 <a:latin typeface="Times New Roman" panose="02020503050405090304" pitchFamily="18" charset="0"/>
                 <a:cs typeface="Times New Roman" panose="02020503050405090304" pitchFamily="18" charset="0"/>
               </a:rPr>
-              <a:t>. London: Design Publishers.</a:t>
+              <a:t> Implementing eco-friendly sourcing and packaging.</a:t>
             </a:r>
             <a:endParaRPr lang="en-US" sz="2400" dirty="0">
               <a:latin typeface="Times New Roman" panose="02020503050405090304" pitchFamily="18" charset="0"/>
@@ -12152,226 +12703,25 @@
             </a:endParaRPr>
           </a:p>
           <a:p>
-            <a:pPr>
-              <a:buNone/>
-            </a:pPr>
-            <a:endParaRPr lang="en-US" sz="2400" dirty="0">
-              <a:latin typeface="Times New Roman" panose="02020503050405090304" pitchFamily="18" charset="0"/>
-              <a:cs typeface="Times New Roman" panose="02020503050405090304" pitchFamily="18" charset="0"/>
-            </a:endParaRPr>
-          </a:p>
-          <a:p>
-            <a:pPr marL="0" indent="0">
-              <a:buNone/>
+            <a:pPr marL="457200" indent="-457200" algn="just">
+              <a:lnSpc>
+                <a:spcPct val="150000"/>
+              </a:lnSpc>
+              <a:buAutoNum type="arabicPeriod"/>
             </a:pPr>
             <a:r>
               <a:rPr lang="en-US" sz="2400" b="1" dirty="0">
                 <a:latin typeface="Times New Roman Bold" panose="02020503050405090304" charset="0"/>
                 <a:cs typeface="Times New Roman Bold" panose="02020503050405090304" charset="0"/>
               </a:rPr>
-              <a:t>2. Articles:</a:t>
-            </a:r>
-            <a:endParaRPr lang="en-US" sz="2400" b="1" dirty="0">
-              <a:latin typeface="Times New Roman Bold" panose="02020503050405090304" charset="0"/>
-              <a:cs typeface="Times New Roman Bold" panose="02020503050405090304" charset="0"/>
-            </a:endParaRPr>
-          </a:p>
-          <a:p>
+              <a:t>Enhanced Customer Support:</a:t>
+            </a:r>
             <a:r>
               <a:rPr lang="en-US" sz="2400" dirty="0">
                 <a:latin typeface="Times New Roman" panose="02020503050405090304" pitchFamily="18" charset="0"/>
                 <a:cs typeface="Times New Roman" panose="02020503050405090304" pitchFamily="18" charset="0"/>
               </a:rPr>
-              <a:t>Doe, R. (2021). "Customization in E-commerce." </a:t>
-            </a:r>
-            <a:r>
-              <a:rPr lang="en-US" sz="2400" b="1" dirty="0">
-                <a:latin typeface="Times New Roman Bold" panose="02020503050405090304" charset="0"/>
-                <a:cs typeface="Times New Roman Bold" panose="02020503050405090304" charset="0"/>
-              </a:rPr>
-              <a:t>Journal of Marketing Research</a:t>
-            </a:r>
-            <a:r>
-              <a:rPr lang="en-US" sz="2400" dirty="0">
-                <a:latin typeface="Times New Roman" panose="02020503050405090304" pitchFamily="18" charset="0"/>
-                <a:cs typeface="Times New Roman" panose="02020503050405090304" pitchFamily="18" charset="0"/>
-              </a:rPr>
-              <a:t>, 58(2), 134-145.</a:t>
-            </a:r>
-            <a:endParaRPr lang="en-US" sz="2400" dirty="0">
-              <a:latin typeface="Times New Roman" panose="02020503050405090304" pitchFamily="18" charset="0"/>
-              <a:cs typeface="Times New Roman" panose="02020503050405090304" pitchFamily="18" charset="0"/>
-            </a:endParaRPr>
-          </a:p>
-          <a:p>
-            <a:r>
-              <a:rPr lang="en-US" sz="2400" dirty="0">
-                <a:latin typeface="Times New Roman" panose="02020503050405090304" pitchFamily="18" charset="0"/>
-                <a:cs typeface="Times New Roman" panose="02020503050405090304" pitchFamily="18" charset="0"/>
-              </a:rPr>
-              <a:t>Patel, M. (2022). "E-commerce Trends." </a:t>
-            </a:r>
-            <a:r>
-              <a:rPr lang="en-US" sz="2400" b="1" dirty="0">
-                <a:latin typeface="Times New Roman Bold" panose="02020503050405090304" charset="0"/>
-                <a:cs typeface="Times New Roman Bold" panose="02020503050405090304" charset="0"/>
-              </a:rPr>
-              <a:t>International Journal of Business</a:t>
-            </a:r>
-            <a:r>
-              <a:rPr lang="en-US" sz="2400" dirty="0">
-                <a:latin typeface="Times New Roman" panose="02020503050405090304" pitchFamily="18" charset="0"/>
-                <a:cs typeface="Times New Roman" panose="02020503050405090304" pitchFamily="18" charset="0"/>
-              </a:rPr>
-              <a:t>, 14(3), 87-99.</a:t>
-            </a:r>
-            <a:endParaRPr lang="en-US" sz="2400" dirty="0">
-              <a:latin typeface="Times New Roman" panose="02020503050405090304" pitchFamily="18" charset="0"/>
-              <a:cs typeface="Times New Roman" panose="02020503050405090304" pitchFamily="18" charset="0"/>
-            </a:endParaRPr>
-          </a:p>
-          <a:p>
-            <a:pPr>
-              <a:buNone/>
-            </a:pPr>
-            <a:endParaRPr lang="en-US" sz="2400" dirty="0">
-              <a:latin typeface="Times New Roman" panose="02020503050405090304" pitchFamily="18" charset="0"/>
-              <a:cs typeface="Times New Roman" panose="02020503050405090304" pitchFamily="18" charset="0"/>
-            </a:endParaRPr>
-          </a:p>
-          <a:p>
-            <a:pPr marL="0" indent="0">
-              <a:buNone/>
-            </a:pPr>
-            <a:r>
-              <a:rPr lang="en-US" sz="2400" b="1" dirty="0">
-                <a:latin typeface="Times New Roman Bold" panose="02020503050405090304" charset="0"/>
-                <a:cs typeface="Times New Roman Bold" panose="02020503050405090304" charset="0"/>
-              </a:rPr>
-              <a:t>3. Websites:</a:t>
-            </a:r>
-            <a:endParaRPr lang="en-US" sz="2400" b="1" dirty="0">
-              <a:latin typeface="Times New Roman Bold" panose="02020503050405090304" charset="0"/>
-              <a:cs typeface="Times New Roman Bold" panose="02020503050405090304" charset="0"/>
-            </a:endParaRPr>
-          </a:p>
-          <a:p>
-            <a:r>
-              <a:rPr lang="en-US" sz="2400" dirty="0">
-                <a:latin typeface="Times New Roman" panose="02020503050405090304" pitchFamily="18" charset="0"/>
-                <a:cs typeface="Times New Roman" panose="02020503050405090304" pitchFamily="18" charset="0"/>
-              </a:rPr>
-              <a:t>E-commerce Times. (2023). "Niche E-commerce Platforms." </a:t>
-            </a:r>
-            <a:r>
-              <a:rPr lang="en-US" sz="2400" dirty="0">
-                <a:latin typeface="Times New Roman" panose="02020503050405090304" pitchFamily="18" charset="0"/>
-                <a:cs typeface="Times New Roman" panose="02020503050405090304" pitchFamily="18" charset="0"/>
-                <a:hlinkClick r:id="rId1"/>
-              </a:rPr>
-              <a:t>ecommercetimes.com</a:t>
-            </a:r>
-            <a:r>
-              <a:rPr lang="en-US" sz="2400" dirty="0">
-                <a:latin typeface="Times New Roman" panose="02020503050405090304" pitchFamily="18" charset="0"/>
-                <a:cs typeface="Times New Roman" panose="02020503050405090304" pitchFamily="18" charset="0"/>
-              </a:rPr>
-              <a:t>.</a:t>
-            </a:r>
-            <a:endParaRPr lang="en-US" sz="2400" dirty="0">
-              <a:latin typeface="Times New Roman" panose="02020503050405090304" pitchFamily="18" charset="0"/>
-              <a:cs typeface="Times New Roman" panose="02020503050405090304" pitchFamily="18" charset="0"/>
-            </a:endParaRPr>
-          </a:p>
-          <a:p>
-            <a:r>
-              <a:rPr lang="en-US" sz="2400" dirty="0">
-                <a:latin typeface="Times New Roman" panose="02020503050405090304" pitchFamily="18" charset="0"/>
-                <a:cs typeface="Times New Roman" panose="02020503050405090304" pitchFamily="18" charset="0"/>
-              </a:rPr>
-              <a:t>Statista. (2024). "E-commerce in India." </a:t>
-            </a:r>
-            <a:r>
-              <a:rPr lang="en-US" sz="2400" dirty="0">
-                <a:latin typeface="Times New Roman" panose="02020503050405090304" pitchFamily="18" charset="0"/>
-                <a:cs typeface="Times New Roman" panose="02020503050405090304" pitchFamily="18" charset="0"/>
-                <a:hlinkClick r:id="rId2"/>
-              </a:rPr>
-              <a:t>statista.com</a:t>
-            </a:r>
-            <a:r>
-              <a:rPr lang="en-US" sz="2400" dirty="0">
-                <a:latin typeface="Times New Roman" panose="02020503050405090304" pitchFamily="18" charset="0"/>
-                <a:cs typeface="Times New Roman" panose="02020503050405090304" pitchFamily="18" charset="0"/>
-              </a:rPr>
-              <a:t>.</a:t>
-            </a:r>
-            <a:endParaRPr lang="en-US" sz="2400" dirty="0">
-              <a:latin typeface="Times New Roman" panose="02020503050405090304" pitchFamily="18" charset="0"/>
-              <a:cs typeface="Times New Roman" panose="02020503050405090304" pitchFamily="18" charset="0"/>
-            </a:endParaRPr>
-          </a:p>
-          <a:p>
-            <a:pPr>
-              <a:buNone/>
-            </a:pPr>
-            <a:endParaRPr lang="en-US" sz="2400" dirty="0">
-              <a:latin typeface="Times New Roman" panose="02020503050405090304" pitchFamily="18" charset="0"/>
-              <a:cs typeface="Times New Roman" panose="02020503050405090304" pitchFamily="18" charset="0"/>
-            </a:endParaRPr>
-          </a:p>
-          <a:p>
-            <a:pPr marL="0" indent="0">
-              <a:buNone/>
-            </a:pPr>
-            <a:r>
-              <a:rPr lang="en-US" sz="2400" b="1" dirty="0">
-                <a:latin typeface="Times New Roman Bold" panose="02020503050405090304" charset="0"/>
-                <a:cs typeface="Times New Roman Bold" panose="02020503050405090304" charset="0"/>
-              </a:rPr>
-              <a:t>4. Reports:</a:t>
-            </a:r>
-            <a:endParaRPr lang="en-US" sz="2400" b="1" dirty="0">
-              <a:latin typeface="Times New Roman Bold" panose="02020503050405090304" charset="0"/>
-              <a:cs typeface="Times New Roman Bold" panose="02020503050405090304" charset="0"/>
-            </a:endParaRPr>
-          </a:p>
-          <a:p>
-            <a:r>
-              <a:rPr lang="en-US" sz="2400" dirty="0">
-                <a:latin typeface="Times New Roman" panose="02020503050405090304" pitchFamily="18" charset="0"/>
-                <a:cs typeface="Times New Roman" panose="02020503050405090304" pitchFamily="18" charset="0"/>
-              </a:rPr>
-              <a:t>Market Research Future. (2023). </a:t>
-            </a:r>
-            <a:r>
-              <a:rPr lang="en-US" sz="2400" b="1" dirty="0">
-                <a:latin typeface="Times New Roman Bold" panose="02020503050405090304" charset="0"/>
-                <a:cs typeface="Times New Roman Bold" panose="02020503050405090304" charset="0"/>
-              </a:rPr>
-              <a:t>E-commerce Market Report</a:t>
-            </a:r>
-            <a:r>
-              <a:rPr lang="en-US" sz="2400" dirty="0">
-                <a:latin typeface="Times New Roman" panose="02020503050405090304" pitchFamily="18" charset="0"/>
-                <a:cs typeface="Times New Roman" panose="02020503050405090304" pitchFamily="18" charset="0"/>
-              </a:rPr>
-              <a:t>. </a:t>
-            </a:r>
-            <a:r>
-              <a:rPr lang="en-US" sz="2400" dirty="0">
-                <a:latin typeface="Times New Roman" panose="02020503050405090304" pitchFamily="18" charset="0"/>
-                <a:cs typeface="Times New Roman" panose="02020503050405090304" pitchFamily="18" charset="0"/>
-                <a:hlinkClick r:id="rId3"/>
-              </a:rPr>
-              <a:t>marketresearchfuture.com</a:t>
-            </a:r>
-            <a:r>
-              <a:rPr lang="en-US" sz="2400" dirty="0">
-                <a:latin typeface="Times New Roman" panose="02020503050405090304" pitchFamily="18" charset="0"/>
-                <a:cs typeface="Times New Roman" panose="02020503050405090304" pitchFamily="18" charset="0"/>
-              </a:rPr>
-              <a:t>.</a:t>
+              <a:t> Expanding support channels, including AI chatbots.</a:t>
             </a:r>
             <a:endParaRPr lang="en-US" sz="2400" dirty="0">
               <a:latin typeface="Times New Roman" panose="02020503050405090304" pitchFamily="18" charset="0"/>
@@ -12389,6 +12739,423 @@
 </file>
 
 <file path=ppt/slides/slide14.xml><?xml version="1.0" encoding="utf-8"?>
+<p:sld xmlns:a="http://schemas.openxmlformats.org/drawingml/2006/main" xmlns:r="http://schemas.openxmlformats.org/officeDocument/2006/relationships" xmlns:p="http://schemas.openxmlformats.org/presentationml/2006/main">
+  <p:cSld>
+    <p:spTree>
+      <p:nvGrpSpPr>
+        <p:cNvPr id="1" name=""/>
+        <p:cNvGrpSpPr/>
+        <p:nvPr/>
+      </p:nvGrpSpPr>
+      <p:grpSpPr>
+        <a:xfrm>
+          <a:off x="0" y="0"/>
+          <a:ext cx="0" cy="0"/>
+          <a:chOff x="0" y="0"/>
+          <a:chExt cx="0" cy="0"/>
+        </a:xfrm>
+      </p:grpSpPr>
+      <p:sp>
+        <p:nvSpPr>
+          <p:cNvPr id="2" name="Title 1"/>
+          <p:cNvSpPr>
+            <a:spLocks noGrp="1"/>
+          </p:cNvSpPr>
+          <p:nvPr>
+            <p:ph type="title"/>
+          </p:nvPr>
+        </p:nvSpPr>
+        <p:spPr>
+          <a:xfrm>
+            <a:off x="847531" y="136525"/>
+            <a:ext cx="8646459" cy="1279527"/>
+          </a:xfrm>
+        </p:spPr>
+        <p:txBody>
+          <a:bodyPr>
+            <a:normAutofit/>
+          </a:bodyPr>
+          <a:lstStyle/>
+          <a:p>
+            <a:r>
+              <a:rPr lang="en-US" sz="4000" b="1" dirty="0">
+                <a:solidFill>
+                  <a:srgbClr val="C00000"/>
+                </a:solidFill>
+                <a:effectLst/>
+                <a:latin typeface="Times New Roman" panose="02020503050405090304" pitchFamily="18" charset="0"/>
+                <a:cs typeface="Times New Roman" panose="02020503050405090304" pitchFamily="18" charset="0"/>
+              </a:rPr>
+              <a:t>Bibliography</a:t>
+            </a:r>
+            <a:endParaRPr lang="en-US" sz="4000" b="1" dirty="0">
+              <a:solidFill>
+                <a:srgbClr val="C00000"/>
+              </a:solidFill>
+              <a:effectLst/>
+              <a:latin typeface="Times New Roman" panose="02020503050405090304" pitchFamily="18" charset="0"/>
+              <a:cs typeface="Times New Roman" panose="02020503050405090304" pitchFamily="18" charset="0"/>
+            </a:endParaRPr>
+          </a:p>
+        </p:txBody>
+      </p:sp>
+      <p:sp>
+        <p:nvSpPr>
+          <p:cNvPr id="4" name="Slide Number Placeholder 3"/>
+          <p:cNvSpPr>
+            <a:spLocks noGrp="1"/>
+          </p:cNvSpPr>
+          <p:nvPr>
+            <p:ph type="sldNum" sz="quarter" idx="12"/>
+          </p:nvPr>
+        </p:nvSpPr>
+        <p:spPr/>
+        <p:txBody>
+          <a:bodyPr/>
+          <a:lstStyle/>
+          <a:p>
+            <a:fld id="{BDCDBBEF-AA6C-4BA6-85B2-A17D7F280E38}" type="slidenum">
+              <a:rPr lang="en-US" smtClean="0">
+                <a:latin typeface="Casper"/>
+                <a:cs typeface="Times New Roman" panose="02020503050405090304" pitchFamily="18" charset="0"/>
+              </a:rPr>
+            </a:fld>
+            <a:endParaRPr lang="en-US">
+              <a:latin typeface="Casper"/>
+              <a:cs typeface="Times New Roman" panose="02020503050405090304" pitchFamily="18" charset="0"/>
+            </a:endParaRPr>
+          </a:p>
+        </p:txBody>
+      </p:sp>
+      <p:sp>
+        <p:nvSpPr>
+          <p:cNvPr id="7" name="Content Placeholder 6"/>
+          <p:cNvSpPr>
+            <a:spLocks noGrp="1"/>
+          </p:cNvSpPr>
+          <p:nvPr>
+            <p:ph idx="1"/>
+          </p:nvPr>
+        </p:nvSpPr>
+        <p:spPr>
+          <a:xfrm>
+            <a:off x="394447" y="1639888"/>
+            <a:ext cx="11152093" cy="4608512"/>
+          </a:xfrm>
+        </p:spPr>
+        <p:txBody>
+          <a:bodyPr>
+            <a:normAutofit fontScale="60000"/>
+          </a:bodyPr>
+          <a:lstStyle/>
+          <a:p>
+            <a:pPr marL="0" indent="0">
+              <a:buNone/>
+            </a:pPr>
+            <a:r>
+              <a:rPr lang="en-US" sz="2400" b="1" dirty="0">
+                <a:latin typeface="Times New Roman Bold" panose="02020503050405090304" charset="0"/>
+                <a:cs typeface="Times New Roman Bold" panose="02020503050405090304" charset="0"/>
+              </a:rPr>
+              <a:t>1. Books:</a:t>
+            </a:r>
+            <a:endParaRPr lang="en-US" sz="2400" b="1" dirty="0">
+              <a:latin typeface="Times New Roman Bold" panose="02020503050405090304" charset="0"/>
+              <a:cs typeface="Times New Roman Bold" panose="02020503050405090304" charset="0"/>
+            </a:endParaRPr>
+          </a:p>
+          <a:p>
+            <a:r>
+              <a:rPr lang="en-US" sz="2400" dirty="0">
+                <a:latin typeface="Times New Roman" panose="02020503050405090304" pitchFamily="18" charset="0"/>
+                <a:cs typeface="Times New Roman" panose="02020503050405090304" pitchFamily="18" charset="0"/>
+              </a:rPr>
+              <a:t>Smith, J. (2020). </a:t>
+            </a:r>
+            <a:r>
+              <a:rPr lang="en-US" sz="2400" b="1" dirty="0">
+                <a:latin typeface="Times New Roman Bold" panose="02020503050405090304" charset="0"/>
+                <a:cs typeface="Times New Roman Bold" panose="02020503050405090304" charset="0"/>
+              </a:rPr>
+              <a:t>E-commerce Essentials</a:t>
+            </a:r>
+            <a:r>
+              <a:rPr lang="en-US" sz="2400" dirty="0">
+                <a:latin typeface="Times New Roman" panose="02020503050405090304" pitchFamily="18" charset="0"/>
+                <a:cs typeface="Times New Roman" panose="02020503050405090304" pitchFamily="18" charset="0"/>
+              </a:rPr>
+              <a:t>. New York: Business Press.</a:t>
+            </a:r>
+            <a:endParaRPr lang="en-US" sz="2400" dirty="0">
+              <a:latin typeface="Times New Roman" panose="02020503050405090304" pitchFamily="18" charset="0"/>
+              <a:cs typeface="Times New Roman" panose="02020503050405090304" pitchFamily="18" charset="0"/>
+            </a:endParaRPr>
+          </a:p>
+          <a:p>
+            <a:r>
+              <a:rPr lang="en-US" sz="2400" dirty="0">
+                <a:latin typeface="Times New Roman" panose="02020503050405090304" pitchFamily="18" charset="0"/>
+                <a:cs typeface="Times New Roman" panose="02020503050405090304" pitchFamily="18" charset="0"/>
+              </a:rPr>
+              <a:t>Johnson, A. (2019). </a:t>
+            </a:r>
+            <a:r>
+              <a:rPr lang="en-US" sz="2400" b="1" dirty="0">
+                <a:latin typeface="Times New Roman Bold" panose="02020503050405090304" charset="0"/>
+                <a:cs typeface="Times New Roman Bold" panose="02020503050405090304" charset="0"/>
+              </a:rPr>
+              <a:t>User Experience Guide</a:t>
+            </a:r>
+            <a:r>
+              <a:rPr lang="en-US" sz="2400" dirty="0">
+                <a:latin typeface="Times New Roman" panose="02020503050405090304" pitchFamily="18" charset="0"/>
+                <a:cs typeface="Times New Roman" panose="02020503050405090304" pitchFamily="18" charset="0"/>
+              </a:rPr>
+              <a:t>. London: Design Publishers.</a:t>
+            </a:r>
+            <a:endParaRPr lang="en-US" sz="2400" dirty="0">
+              <a:latin typeface="Times New Roman" panose="02020503050405090304" pitchFamily="18" charset="0"/>
+              <a:cs typeface="Times New Roman" panose="02020503050405090304" pitchFamily="18" charset="0"/>
+            </a:endParaRPr>
+          </a:p>
+          <a:p>
+            <a:pPr>
+              <a:buNone/>
+            </a:pPr>
+            <a:endParaRPr lang="en-US" sz="2400" dirty="0">
+              <a:latin typeface="Times New Roman" panose="02020503050405090304" pitchFamily="18" charset="0"/>
+              <a:cs typeface="Times New Roman" panose="02020503050405090304" pitchFamily="18" charset="0"/>
+            </a:endParaRPr>
+          </a:p>
+          <a:p>
+            <a:pPr marL="0" indent="0">
+              <a:buNone/>
+            </a:pPr>
+            <a:r>
+              <a:rPr lang="en-US" sz="2400" b="1" dirty="0">
+                <a:latin typeface="Times New Roman Bold" panose="02020503050405090304" charset="0"/>
+                <a:cs typeface="Times New Roman Bold" panose="02020503050405090304" charset="0"/>
+              </a:rPr>
+              <a:t>2. Articles:</a:t>
+            </a:r>
+            <a:endParaRPr lang="en-US" sz="2400" b="1" dirty="0">
+              <a:latin typeface="Times New Roman Bold" panose="02020503050405090304" charset="0"/>
+              <a:cs typeface="Times New Roman Bold" panose="02020503050405090304" charset="0"/>
+            </a:endParaRPr>
+          </a:p>
+          <a:p>
+            <a:r>
+              <a:rPr lang="en-US" sz="2400" dirty="0">
+                <a:latin typeface="Times New Roman" panose="02020503050405090304" pitchFamily="18" charset="0"/>
+                <a:cs typeface="Times New Roman" panose="02020503050405090304" pitchFamily="18" charset="0"/>
+              </a:rPr>
+              <a:t>Doe, R. (2021). "Customization in E-commerce." </a:t>
+            </a:r>
+            <a:r>
+              <a:rPr lang="en-US" sz="2400" b="1" dirty="0">
+                <a:latin typeface="Times New Roman Bold" panose="02020503050405090304" charset="0"/>
+                <a:cs typeface="Times New Roman Bold" panose="02020503050405090304" charset="0"/>
+              </a:rPr>
+              <a:t>Journal of Marketing Research</a:t>
+            </a:r>
+            <a:r>
+              <a:rPr lang="en-US" sz="2400" dirty="0">
+                <a:latin typeface="Times New Roman" panose="02020503050405090304" pitchFamily="18" charset="0"/>
+                <a:cs typeface="Times New Roman" panose="02020503050405090304" pitchFamily="18" charset="0"/>
+              </a:rPr>
+              <a:t>, 58(2), 134-145.</a:t>
+            </a:r>
+            <a:endParaRPr lang="en-US" sz="2400" dirty="0">
+              <a:latin typeface="Times New Roman" panose="02020503050405090304" pitchFamily="18" charset="0"/>
+              <a:cs typeface="Times New Roman" panose="02020503050405090304" pitchFamily="18" charset="0"/>
+            </a:endParaRPr>
+          </a:p>
+          <a:p>
+            <a:r>
+              <a:rPr lang="en-US" sz="2400" dirty="0">
+                <a:latin typeface="Times New Roman" panose="02020503050405090304" pitchFamily="18" charset="0"/>
+                <a:cs typeface="Times New Roman" panose="02020503050405090304" pitchFamily="18" charset="0"/>
+              </a:rPr>
+              <a:t>Patel, M. (2022). "E-commerce Trends." </a:t>
+            </a:r>
+            <a:r>
+              <a:rPr lang="en-US" sz="2400" b="1" dirty="0">
+                <a:latin typeface="Times New Roman Bold" panose="02020503050405090304" charset="0"/>
+                <a:cs typeface="Times New Roman Bold" panose="02020503050405090304" charset="0"/>
+              </a:rPr>
+              <a:t>International Journal of Business</a:t>
+            </a:r>
+            <a:r>
+              <a:rPr lang="en-US" sz="2400" dirty="0">
+                <a:latin typeface="Times New Roman" panose="02020503050405090304" pitchFamily="18" charset="0"/>
+                <a:cs typeface="Times New Roman" panose="02020503050405090304" pitchFamily="18" charset="0"/>
+              </a:rPr>
+              <a:t>, 14(3), 87-99.</a:t>
+            </a:r>
+            <a:endParaRPr lang="en-US" sz="2400" dirty="0">
+              <a:latin typeface="Times New Roman" panose="02020503050405090304" pitchFamily="18" charset="0"/>
+              <a:cs typeface="Times New Roman" panose="02020503050405090304" pitchFamily="18" charset="0"/>
+            </a:endParaRPr>
+          </a:p>
+          <a:p>
+            <a:pPr>
+              <a:buNone/>
+            </a:pPr>
+            <a:endParaRPr lang="en-US" sz="2400" dirty="0">
+              <a:latin typeface="Times New Roman" panose="02020503050405090304" pitchFamily="18" charset="0"/>
+              <a:cs typeface="Times New Roman" panose="02020503050405090304" pitchFamily="18" charset="0"/>
+            </a:endParaRPr>
+          </a:p>
+          <a:p>
+            <a:pPr marL="0" indent="0">
+              <a:buNone/>
+            </a:pPr>
+            <a:r>
+              <a:rPr lang="en-US" sz="2400" b="1" dirty="0">
+                <a:latin typeface="Times New Roman Bold" panose="02020503050405090304" charset="0"/>
+                <a:cs typeface="Times New Roman Bold" panose="02020503050405090304" charset="0"/>
+              </a:rPr>
+              <a:t>3. Websites:</a:t>
+            </a:r>
+            <a:endParaRPr lang="en-US" sz="2400" b="1" dirty="0">
+              <a:latin typeface="Times New Roman Bold" panose="02020503050405090304" charset="0"/>
+              <a:cs typeface="Times New Roman Bold" panose="02020503050405090304" charset="0"/>
+            </a:endParaRPr>
+          </a:p>
+          <a:p>
+            <a:r>
+              <a:rPr lang="en-US" sz="2400" dirty="0">
+                <a:latin typeface="Times New Roman" panose="02020503050405090304" pitchFamily="18" charset="0"/>
+                <a:cs typeface="Times New Roman" panose="02020503050405090304" pitchFamily="18" charset="0"/>
+              </a:rPr>
+              <a:t>E-commerce Times. (2023). "Niche E-commerce Platforms." </a:t>
+            </a:r>
+            <a:r>
+              <a:rPr lang="en-US" sz="2400" dirty="0">
+                <a:latin typeface="Times New Roman" panose="02020503050405090304" pitchFamily="18" charset="0"/>
+                <a:cs typeface="Times New Roman" panose="02020503050405090304" pitchFamily="18" charset="0"/>
+                <a:hlinkClick r:id="rId1"/>
+              </a:rPr>
+              <a:t>ecommercetimes.com</a:t>
+            </a:r>
+            <a:r>
+              <a:rPr lang="en-US" sz="2400" dirty="0">
+                <a:latin typeface="Times New Roman" panose="02020503050405090304" pitchFamily="18" charset="0"/>
+                <a:cs typeface="Times New Roman" panose="02020503050405090304" pitchFamily="18" charset="0"/>
+              </a:rPr>
+              <a:t>.</a:t>
+            </a:r>
+            <a:endParaRPr lang="en-US" sz="2400" dirty="0">
+              <a:latin typeface="Times New Roman" panose="02020503050405090304" pitchFamily="18" charset="0"/>
+              <a:cs typeface="Times New Roman" panose="02020503050405090304" pitchFamily="18" charset="0"/>
+            </a:endParaRPr>
+          </a:p>
+          <a:p>
+            <a:r>
+              <a:rPr lang="en-US" sz="2400" dirty="0">
+                <a:latin typeface="Times New Roman" panose="02020503050405090304" pitchFamily="18" charset="0"/>
+                <a:cs typeface="Times New Roman" panose="02020503050405090304" pitchFamily="18" charset="0"/>
+              </a:rPr>
+              <a:t>Statista. (2024). "E-commerce in India." </a:t>
+            </a:r>
+            <a:r>
+              <a:rPr lang="en-US" sz="2400" dirty="0">
+                <a:latin typeface="Times New Roman" panose="02020503050405090304" pitchFamily="18" charset="0"/>
+                <a:cs typeface="Times New Roman" panose="02020503050405090304" pitchFamily="18" charset="0"/>
+                <a:hlinkClick r:id="rId2"/>
+              </a:rPr>
+              <a:t>statista.com</a:t>
+            </a:r>
+            <a:r>
+              <a:rPr lang="en-US" sz="2400" dirty="0">
+                <a:latin typeface="Times New Roman" panose="02020503050405090304" pitchFamily="18" charset="0"/>
+                <a:cs typeface="Times New Roman" panose="02020503050405090304" pitchFamily="18" charset="0"/>
+              </a:rPr>
+              <a:t>.</a:t>
+            </a:r>
+            <a:endParaRPr lang="en-US" sz="2400" dirty="0">
+              <a:latin typeface="Times New Roman" panose="02020503050405090304" pitchFamily="18" charset="0"/>
+              <a:cs typeface="Times New Roman" panose="02020503050405090304" pitchFamily="18" charset="0"/>
+            </a:endParaRPr>
+          </a:p>
+          <a:p>
+            <a:pPr>
+              <a:buNone/>
+            </a:pPr>
+            <a:endParaRPr lang="en-US" sz="2400" dirty="0">
+              <a:latin typeface="Times New Roman" panose="02020503050405090304" pitchFamily="18" charset="0"/>
+              <a:cs typeface="Times New Roman" panose="02020503050405090304" pitchFamily="18" charset="0"/>
+            </a:endParaRPr>
+          </a:p>
+          <a:p>
+            <a:pPr marL="0" indent="0">
+              <a:buNone/>
+            </a:pPr>
+            <a:r>
+              <a:rPr lang="en-US" sz="2400" b="1" dirty="0">
+                <a:latin typeface="Times New Roman Bold" panose="02020503050405090304" charset="0"/>
+                <a:cs typeface="Times New Roman Bold" panose="02020503050405090304" charset="0"/>
+              </a:rPr>
+              <a:t>4. Reports:</a:t>
+            </a:r>
+            <a:endParaRPr lang="en-US" sz="2400" b="1" dirty="0">
+              <a:latin typeface="Times New Roman Bold" panose="02020503050405090304" charset="0"/>
+              <a:cs typeface="Times New Roman Bold" panose="02020503050405090304" charset="0"/>
+            </a:endParaRPr>
+          </a:p>
+          <a:p>
+            <a:r>
+              <a:rPr lang="en-US" sz="2400" dirty="0">
+                <a:latin typeface="Times New Roman" panose="02020503050405090304" pitchFamily="18" charset="0"/>
+                <a:cs typeface="Times New Roman" panose="02020503050405090304" pitchFamily="18" charset="0"/>
+              </a:rPr>
+              <a:t>Market Research Future. (2023). </a:t>
+            </a:r>
+            <a:r>
+              <a:rPr lang="en-US" sz="2400" b="1" dirty="0">
+                <a:latin typeface="Times New Roman Bold" panose="02020503050405090304" charset="0"/>
+                <a:cs typeface="Times New Roman Bold" panose="02020503050405090304" charset="0"/>
+              </a:rPr>
+              <a:t>E-commerce Market Report</a:t>
+            </a:r>
+            <a:r>
+              <a:rPr lang="en-US" sz="2400" dirty="0">
+                <a:latin typeface="Times New Roman" panose="02020503050405090304" pitchFamily="18" charset="0"/>
+                <a:cs typeface="Times New Roman" panose="02020503050405090304" pitchFamily="18" charset="0"/>
+              </a:rPr>
+              <a:t>. </a:t>
+            </a:r>
+            <a:r>
+              <a:rPr lang="en-US" sz="2400" dirty="0">
+                <a:latin typeface="Times New Roman" panose="02020503050405090304" pitchFamily="18" charset="0"/>
+                <a:cs typeface="Times New Roman" panose="02020503050405090304" pitchFamily="18" charset="0"/>
+                <a:hlinkClick r:id="rId3"/>
+              </a:rPr>
+              <a:t>marketresearchfuture.com</a:t>
+            </a:r>
+            <a:r>
+              <a:rPr lang="en-US" sz="2400" dirty="0">
+                <a:latin typeface="Times New Roman" panose="02020503050405090304" pitchFamily="18" charset="0"/>
+                <a:cs typeface="Times New Roman" panose="02020503050405090304" pitchFamily="18" charset="0"/>
+              </a:rPr>
+              <a:t>.</a:t>
+            </a:r>
+            <a:endParaRPr lang="en-US" sz="2400" dirty="0">
+              <a:latin typeface="Times New Roman" panose="02020503050405090304" pitchFamily="18" charset="0"/>
+              <a:cs typeface="Times New Roman" panose="02020503050405090304" pitchFamily="18" charset="0"/>
+            </a:endParaRPr>
+          </a:p>
+        </p:txBody>
+      </p:sp>
+    </p:spTree>
+  </p:cSld>
+  <p:clrMapOvr>
+    <a:masterClrMapping/>
+  </p:clrMapOvr>
+</p:sld>
+</file>
+
+<file path=ppt/slides/slide15.xml><?xml version="1.0" encoding="utf-8"?>
 <p:sld xmlns:a="http://schemas.openxmlformats.org/drawingml/2006/main" xmlns:r="http://schemas.openxmlformats.org/officeDocument/2006/relationships" xmlns:p="http://schemas.openxmlformats.org/presentationml/2006/main">
   <p:cSld>
     <p:spTree>
